--- a/docs/source_topics/audit.pptx
+++ b/docs/source_topics/audit.pptx
@@ -7,6 +7,8 @@
   <p:sldIdLst>
     <p:sldId id="256" r:id="rId2"/>
     <p:sldId id="257" r:id="rId3"/>
+    <p:sldId id="258" r:id="rId4"/>
+    <p:sldId id="259" r:id="rId5"/>
   </p:sldIdLst>
   <p:sldSz cx="9144000" cy="5143500" type="screen16x9"/>
   <p:notesSz cx="6858000" cy="9144000"/>
@@ -3116,7 +3118,7 @@
             </a:pPr>
             <a:r>
               <a:rPr/>
-              <a:t>1</a:t>
+              <a:t>Outputs</a:t>
             </a:r>
           </a:p>
         </p:txBody>
@@ -3173,6 +3175,83 @@
       </p:grpSpPr>
       <p:sp>
         <p:nvSpPr>
+          <p:cNvPr id="2" name="Title 1"/>
+          <p:cNvSpPr>
+            <a:spLocks noGrp="1"/>
+          </p:cNvSpPr>
+          <p:nvPr>
+            <p:ph type="title"/>
+          </p:nvPr>
+        </p:nvSpPr>
+        <p:spPr>
+          <a:xfrm>
+            <a:off x="722313" y="3305176"/>
+            <a:ext cx="7772400" cy="1021556"/>
+          </a:xfrm>
+        </p:spPr>
+        <p:txBody>
+          <a:bodyPr/>
+          <a:lstStyle/>
+          <a:p>
+            <a:pPr lvl="0" indent="0" marL="0">
+              <a:buNone/>
+            </a:pPr>
+            <a:r>
+              <a:rPr/>
+              <a:t>Audit</a:t>
+            </a:r>
+          </a:p>
+        </p:txBody>
+      </p:sp>
+    </p:spTree>
+  </p:cSld>
+</p:sld>
+</file>
+
+<file path=ppt/slides/slide3.xml><?xml version="1.0" encoding="utf-8"?>
+<p:sld xmlns:a="http://schemas.openxmlformats.org/drawingml/2006/main" xmlns:r="http://schemas.openxmlformats.org/officeDocument/2006/relationships" xmlns:p="http://schemas.openxmlformats.org/presentationml/2006/main">
+  <p:cSld>
+    <p:spTree>
+      <p:nvGrpSpPr>
+        <p:cNvPr id="1" name=""/>
+        <p:cNvGrpSpPr/>
+        <p:nvPr/>
+      </p:nvGrpSpPr>
+      <p:grpSpPr>
+        <a:xfrm>
+          <a:off x="0" y="0"/>
+          <a:ext cx="0" cy="0"/>
+          <a:chOff x="0" y="0"/>
+          <a:chExt cx="0" cy="0"/>
+        </a:xfrm>
+      </p:grpSpPr>
+      <p:sp>
+        <p:nvSpPr>
+          <p:cNvPr id="2" name="Title 1"/>
+          <p:cNvSpPr>
+            <a:spLocks noGrp="1"/>
+          </p:cNvSpPr>
+          <p:nvPr>
+            <p:ph type="title"/>
+          </p:nvPr>
+        </p:nvSpPr>
+        <p:spPr/>
+        <p:txBody>
+          <a:bodyPr/>
+          <a:lstStyle/>
+          <a:p>
+            <a:pPr lvl="0" indent="0" marL="0">
+              <a:buNone/>
+            </a:pPr>
+            <a:r>
+              <a:rPr/>
+              <a:t>Audience</a:t>
+            </a:r>
+          </a:p>
+        </p:txBody>
+      </p:sp>
+      <p:sp>
+        <p:nvSpPr>
           <p:cNvPr id="3" name="Content Placeholder 2"/>
           <p:cNvSpPr>
             <a:spLocks noGrp="1"/>
@@ -3186,12 +3265,89 @@
           <a:bodyPr/>
           <a:lstStyle/>
           <a:p>
+            <a:pPr lvl="0"/>
+            <a:r>
+              <a:rPr/>
+              <a:t>Consultants</a:t>
+            </a:r>
+          </a:p>
+          <a:p>
+            <a:pPr lvl="0"/>
+            <a:r>
+              <a:rPr/>
+              <a:t>Audit team</a:t>
+            </a:r>
+          </a:p>
+        </p:txBody>
+      </p:sp>
+    </p:spTree>
+  </p:cSld>
+</p:sld>
+</file>
+
+<file path=ppt/slides/slide4.xml><?xml version="1.0" encoding="utf-8"?>
+<p:sld xmlns:a="http://schemas.openxmlformats.org/drawingml/2006/main" xmlns:r="http://schemas.openxmlformats.org/officeDocument/2006/relationships" xmlns:p="http://schemas.openxmlformats.org/presentationml/2006/main">
+  <p:cSld>
+    <p:spTree>
+      <p:nvGrpSpPr>
+        <p:cNvPr id="1" name=""/>
+        <p:cNvGrpSpPr/>
+        <p:nvPr/>
+      </p:nvGrpSpPr>
+      <p:grpSpPr>
+        <a:xfrm>
+          <a:off x="0" y="0"/>
+          <a:ext cx="0" cy="0"/>
+          <a:chOff x="0" y="0"/>
+          <a:chExt cx="0" cy="0"/>
+        </a:xfrm>
+      </p:grpSpPr>
+      <p:sp>
+        <p:nvSpPr>
+          <p:cNvPr id="2" name="Title 1"/>
+          <p:cNvSpPr>
+            <a:spLocks noGrp="1"/>
+          </p:cNvSpPr>
+          <p:nvPr>
+            <p:ph type="title"/>
+          </p:nvPr>
+        </p:nvSpPr>
+        <p:spPr/>
+        <p:txBody>
+          <a:bodyPr/>
+          <a:lstStyle/>
+          <a:p>
             <a:pPr lvl="0" indent="0" marL="0">
               <a:buNone/>
             </a:pPr>
             <a:r>
               <a:rPr/>
-              <a:t>audit page</a:t>
+              <a:t>Format</a:t>
+            </a:r>
+          </a:p>
+        </p:txBody>
+      </p:sp>
+      <p:sp>
+        <p:nvSpPr>
+          <p:cNvPr id="3" name="Content Placeholder 2"/>
+          <p:cNvSpPr>
+            <a:spLocks noGrp="1"/>
+          </p:cNvSpPr>
+          <p:nvPr>
+            <p:ph idx="1"/>
+          </p:nvPr>
+        </p:nvSpPr>
+        <p:spPr/>
+        <p:txBody>
+          <a:bodyPr/>
+          <a:lstStyle/>
+          <a:p>
+            <a:pPr lvl="0" indent="0" marL="0">
+              <a:buNone/>
+            </a:pPr>
+            <a:r>
+              <a:rPr/>
+              <a:t>Google Doc PDF</a:t>
             </a:r>
           </a:p>
         </p:txBody>
